--- a/Trabalho/QA-System.pptx
+++ b/Trabalho/QA-System.pptx
@@ -311,7 +311,7 @@
           <a:p>
             <a:fld id="{5F6AC3CA-1E05-478B-8D11-C240B3B3CEA5}" type="datetimeFigureOut">
               <a:rPr lang="pt-PT" smtClean="0"/>
-              <a:t>13/01/19</a:t>
+              <a:t>13/01/2019</a:t>
             </a:fld>
             <a:endParaRPr lang="pt-PT"/>
           </a:p>
@@ -353,7 +353,7 @@
           <a:p>
             <a:fld id="{E2A5E071-45A5-4B10-99F2-C47E5E8D22E8}" type="slidenum">
               <a:rPr lang="pt-PT" smtClean="0"/>
-              <a:t>‹nº›</a:t>
+              <a:t>‹#›</a:t>
             </a:fld>
             <a:endParaRPr lang="pt-PT"/>
           </a:p>
@@ -516,7 +516,7 @@
           <a:p>
             <a:fld id="{5F6AC3CA-1E05-478B-8D11-C240B3B3CEA5}" type="datetimeFigureOut">
               <a:rPr lang="pt-PT" smtClean="0"/>
-              <a:t>13/01/19</a:t>
+              <a:t>13/01/2019</a:t>
             </a:fld>
             <a:endParaRPr lang="pt-PT"/>
           </a:p>
@@ -558,7 +558,7 @@
           <a:p>
             <a:fld id="{E2A5E071-45A5-4B10-99F2-C47E5E8D22E8}" type="slidenum">
               <a:rPr lang="pt-PT" smtClean="0"/>
-              <a:t>‹nº›</a:t>
+              <a:t>‹#›</a:t>
             </a:fld>
             <a:endParaRPr lang="pt-PT"/>
           </a:p>
@@ -696,7 +696,7 @@
           <a:p>
             <a:fld id="{5F6AC3CA-1E05-478B-8D11-C240B3B3CEA5}" type="datetimeFigureOut">
               <a:rPr lang="pt-PT" smtClean="0"/>
-              <a:t>13/01/19</a:t>
+              <a:t>13/01/2019</a:t>
             </a:fld>
             <a:endParaRPr lang="pt-PT"/>
           </a:p>
@@ -738,7 +738,7 @@
           <a:p>
             <a:fld id="{E2A5E071-45A5-4B10-99F2-C47E5E8D22E8}" type="slidenum">
               <a:rPr lang="pt-PT" smtClean="0"/>
-              <a:t>‹nº›</a:t>
+              <a:t>‹#›</a:t>
             </a:fld>
             <a:endParaRPr lang="pt-PT"/>
           </a:p>
@@ -901,7 +901,7 @@
           <a:p>
             <a:fld id="{5F6AC3CA-1E05-478B-8D11-C240B3B3CEA5}" type="datetimeFigureOut">
               <a:rPr lang="pt-PT" smtClean="0"/>
-              <a:t>13/01/19</a:t>
+              <a:t>13/01/2019</a:t>
             </a:fld>
             <a:endParaRPr lang="pt-PT"/>
           </a:p>
@@ -943,7 +943,7 @@
           <a:p>
             <a:fld id="{E2A5E071-45A5-4B10-99F2-C47E5E8D22E8}" type="slidenum">
               <a:rPr lang="pt-PT" smtClean="0"/>
-              <a:t>‹nº›</a:t>
+              <a:t>‹#›</a:t>
             </a:fld>
             <a:endParaRPr lang="pt-PT"/>
           </a:p>
@@ -1196,7 +1196,7 @@
           <a:p>
             <a:fld id="{5F6AC3CA-1E05-478B-8D11-C240B3B3CEA5}" type="datetimeFigureOut">
               <a:rPr lang="pt-PT" smtClean="0"/>
-              <a:t>13/01/19</a:t>
+              <a:t>13/01/2019</a:t>
             </a:fld>
             <a:endParaRPr lang="pt-PT"/>
           </a:p>
@@ -1238,7 +1238,7 @@
           <a:p>
             <a:fld id="{E2A5E071-45A5-4B10-99F2-C47E5E8D22E8}" type="slidenum">
               <a:rPr lang="pt-PT" smtClean="0"/>
-              <a:t>‹nº›</a:t>
+              <a:t>‹#›</a:t>
             </a:fld>
             <a:endParaRPr lang="pt-PT"/>
           </a:p>
@@ -1468,7 +1468,7 @@
           <a:p>
             <a:fld id="{5F6AC3CA-1E05-478B-8D11-C240B3B3CEA5}" type="datetimeFigureOut">
               <a:rPr lang="pt-PT" smtClean="0"/>
-              <a:t>13/01/19</a:t>
+              <a:t>13/01/2019</a:t>
             </a:fld>
             <a:endParaRPr lang="pt-PT"/>
           </a:p>
@@ -1510,7 +1510,7 @@
           <a:p>
             <a:fld id="{E2A5E071-45A5-4B10-99F2-C47E5E8D22E8}" type="slidenum">
               <a:rPr lang="pt-PT" smtClean="0"/>
-              <a:t>‹nº›</a:t>
+              <a:t>‹#›</a:t>
             </a:fld>
             <a:endParaRPr lang="pt-PT"/>
           </a:p>
@@ -1875,7 +1875,7 @@
           <a:p>
             <a:fld id="{5F6AC3CA-1E05-478B-8D11-C240B3B3CEA5}" type="datetimeFigureOut">
               <a:rPr lang="pt-PT" smtClean="0"/>
-              <a:t>13/01/19</a:t>
+              <a:t>13/01/2019</a:t>
             </a:fld>
             <a:endParaRPr lang="pt-PT"/>
           </a:p>
@@ -1917,7 +1917,7 @@
           <a:p>
             <a:fld id="{E2A5E071-45A5-4B10-99F2-C47E5E8D22E8}" type="slidenum">
               <a:rPr lang="pt-PT" smtClean="0"/>
-              <a:t>‹nº›</a:t>
+              <a:t>‹#›</a:t>
             </a:fld>
             <a:endParaRPr lang="pt-PT"/>
           </a:p>
@@ -1993,7 +1993,7 @@
           <a:p>
             <a:fld id="{5F6AC3CA-1E05-478B-8D11-C240B3B3CEA5}" type="datetimeFigureOut">
               <a:rPr lang="pt-PT" smtClean="0"/>
-              <a:t>13/01/19</a:t>
+              <a:t>13/01/2019</a:t>
             </a:fld>
             <a:endParaRPr lang="pt-PT"/>
           </a:p>
@@ -2035,7 +2035,7 @@
           <a:p>
             <a:fld id="{E2A5E071-45A5-4B10-99F2-C47E5E8D22E8}" type="slidenum">
               <a:rPr lang="pt-PT" smtClean="0"/>
-              <a:t>‹nº›</a:t>
+              <a:t>‹#›</a:t>
             </a:fld>
             <a:endParaRPr lang="pt-PT"/>
           </a:p>
@@ -2088,7 +2088,7 @@
           <a:p>
             <a:fld id="{5F6AC3CA-1E05-478B-8D11-C240B3B3CEA5}" type="datetimeFigureOut">
               <a:rPr lang="pt-PT" smtClean="0"/>
-              <a:t>13/01/19</a:t>
+              <a:t>13/01/2019</a:t>
             </a:fld>
             <a:endParaRPr lang="pt-PT"/>
           </a:p>
@@ -2130,7 +2130,7 @@
           <a:p>
             <a:fld id="{E2A5E071-45A5-4B10-99F2-C47E5E8D22E8}" type="slidenum">
               <a:rPr lang="pt-PT" smtClean="0"/>
-              <a:t>‹nº›</a:t>
+              <a:t>‹#›</a:t>
             </a:fld>
             <a:endParaRPr lang="pt-PT"/>
           </a:p>
@@ -2378,7 +2378,7 @@
           <a:p>
             <a:fld id="{5F6AC3CA-1E05-478B-8D11-C240B3B3CEA5}" type="datetimeFigureOut">
               <a:rPr lang="pt-PT" smtClean="0"/>
-              <a:t>13/01/19</a:t>
+              <a:t>13/01/2019</a:t>
             </a:fld>
             <a:endParaRPr lang="pt-PT"/>
           </a:p>
@@ -2420,7 +2420,7 @@
           <a:p>
             <a:fld id="{E2A5E071-45A5-4B10-99F2-C47E5E8D22E8}" type="slidenum">
               <a:rPr lang="pt-PT" smtClean="0"/>
-              <a:t>‹nº›</a:t>
+              <a:t>‹#›</a:t>
             </a:fld>
             <a:endParaRPr lang="pt-PT"/>
           </a:p>
@@ -2658,7 +2658,7 @@
           <a:p>
             <a:fld id="{5F6AC3CA-1E05-478B-8D11-C240B3B3CEA5}" type="datetimeFigureOut">
               <a:rPr lang="pt-PT" smtClean="0"/>
-              <a:t>13/01/19</a:t>
+              <a:t>13/01/2019</a:t>
             </a:fld>
             <a:endParaRPr lang="pt-PT"/>
           </a:p>
@@ -2700,7 +2700,7 @@
           <a:p>
             <a:fld id="{E2A5E071-45A5-4B10-99F2-C47E5E8D22E8}" type="slidenum">
               <a:rPr lang="pt-PT" smtClean="0"/>
-              <a:t>‹nº›</a:t>
+              <a:t>‹#›</a:t>
             </a:fld>
             <a:endParaRPr lang="pt-PT"/>
           </a:p>
@@ -2908,7 +2908,7 @@
           <a:p>
             <a:fld id="{5F6AC3CA-1E05-478B-8D11-C240B3B3CEA5}" type="datetimeFigureOut">
               <a:rPr lang="pt-PT" smtClean="0"/>
-              <a:t>13/01/19</a:t>
+              <a:t>13/01/2019</a:t>
             </a:fld>
             <a:endParaRPr lang="pt-PT"/>
           </a:p>
@@ -2990,7 +2990,7 @@
           <a:p>
             <a:fld id="{E2A5E071-45A5-4B10-99F2-C47E5E8D22E8}" type="slidenum">
               <a:rPr lang="pt-PT" smtClean="0"/>
-              <a:t>‹nº›</a:t>
+              <a:t>‹#›</a:t>
             </a:fld>
             <a:endParaRPr lang="pt-PT"/>
           </a:p>
@@ -7263,6 +7263,59 @@
                       </p:childTnLst>
                     </p:cTn>
                   </p:par>
+                  <p:par>
+                    <p:cTn id="13" fill="hold">
+                      <p:stCondLst>
+                        <p:cond delay="indefinite"/>
+                      </p:stCondLst>
+                      <p:childTnLst>
+                        <p:par>
+                          <p:cTn id="14" fill="hold">
+                            <p:stCondLst>
+                              <p:cond delay="0"/>
+                            </p:stCondLst>
+                            <p:childTnLst>
+                              <p:par>
+                                <p:cTn id="15" presetID="10" presetClass="entr" presetSubtype="0" fill="hold" nodeType="clickEffect">
+                                  <p:stCondLst>
+                                    <p:cond delay="0"/>
+                                  </p:stCondLst>
+                                  <p:childTnLst>
+                                    <p:set>
+                                      <p:cBhvr>
+                                        <p:cTn id="16" dur="1" fill="hold">
+                                          <p:stCondLst>
+                                            <p:cond delay="0"/>
+                                          </p:stCondLst>
+                                        </p:cTn>
+                                        <p:tgtEl>
+                                          <p:spTgt spid="8"/>
+                                        </p:tgtEl>
+                                        <p:attrNameLst>
+                                          <p:attrName>style.visibility</p:attrName>
+                                        </p:attrNameLst>
+                                      </p:cBhvr>
+                                      <p:to>
+                                        <p:strVal val="visible"/>
+                                      </p:to>
+                                    </p:set>
+                                    <p:animEffect transition="in" filter="fade">
+                                      <p:cBhvr>
+                                        <p:cTn id="17" dur="500"/>
+                                        <p:tgtEl>
+                                          <p:spTgt spid="8"/>
+                                        </p:tgtEl>
+                                      </p:cBhvr>
+                                    </p:animEffect>
+                                  </p:childTnLst>
+                                </p:cTn>
+                              </p:par>
+                            </p:childTnLst>
+                          </p:cTn>
+                        </p:par>
+                      </p:childTnLst>
+                    </p:cTn>
+                  </p:par>
                 </p:childTnLst>
               </p:cTn>
               <p:prevCondLst>
@@ -7613,6 +7666,165 @@
                       </p:childTnLst>
                     </p:cTn>
                   </p:par>
+                  <p:par>
+                    <p:cTn id="13" fill="hold">
+                      <p:stCondLst>
+                        <p:cond delay="indefinite"/>
+                      </p:stCondLst>
+                      <p:childTnLst>
+                        <p:par>
+                          <p:cTn id="14" fill="hold">
+                            <p:stCondLst>
+                              <p:cond delay="0"/>
+                            </p:stCondLst>
+                            <p:childTnLst>
+                              <p:par>
+                                <p:cTn id="15" presetID="10" presetClass="entr" presetSubtype="0" fill="hold" nodeType="clickEffect">
+                                  <p:stCondLst>
+                                    <p:cond delay="0"/>
+                                  </p:stCondLst>
+                                  <p:childTnLst>
+                                    <p:set>
+                                      <p:cBhvr>
+                                        <p:cTn id="16" dur="1" fill="hold">
+                                          <p:stCondLst>
+                                            <p:cond delay="0"/>
+                                          </p:stCondLst>
+                                        </p:cTn>
+                                        <p:tgtEl>
+                                          <p:spTgt spid="5"/>
+                                        </p:tgtEl>
+                                        <p:attrNameLst>
+                                          <p:attrName>style.visibility</p:attrName>
+                                        </p:attrNameLst>
+                                      </p:cBhvr>
+                                      <p:to>
+                                        <p:strVal val="visible"/>
+                                      </p:to>
+                                    </p:set>
+                                    <p:animEffect transition="in" filter="fade">
+                                      <p:cBhvr>
+                                        <p:cTn id="17" dur="500"/>
+                                        <p:tgtEl>
+                                          <p:spTgt spid="5"/>
+                                        </p:tgtEl>
+                                      </p:cBhvr>
+                                    </p:animEffect>
+                                  </p:childTnLst>
+                                </p:cTn>
+                              </p:par>
+                            </p:childTnLst>
+                          </p:cTn>
+                        </p:par>
+                      </p:childTnLst>
+                    </p:cTn>
+                  </p:par>
+                  <p:par>
+                    <p:cTn id="18" fill="hold">
+                      <p:stCondLst>
+                        <p:cond delay="indefinite"/>
+                      </p:stCondLst>
+                      <p:childTnLst>
+                        <p:par>
+                          <p:cTn id="19" fill="hold">
+                            <p:stCondLst>
+                              <p:cond delay="0"/>
+                            </p:stCondLst>
+                            <p:childTnLst>
+                              <p:par>
+                                <p:cTn id="20" presetID="10" presetClass="entr" presetSubtype="0" fill="hold" nodeType="clickEffect">
+                                  <p:stCondLst>
+                                    <p:cond delay="0"/>
+                                  </p:stCondLst>
+                                  <p:childTnLst>
+                                    <p:set>
+                                      <p:cBhvr>
+                                        <p:cTn id="21" dur="1" fill="hold">
+                                          <p:stCondLst>
+                                            <p:cond delay="0"/>
+                                          </p:stCondLst>
+                                        </p:cTn>
+                                        <p:tgtEl>
+                                          <p:spTgt spid="9"/>
+                                        </p:tgtEl>
+                                        <p:attrNameLst>
+                                          <p:attrName>style.visibility</p:attrName>
+                                        </p:attrNameLst>
+                                      </p:cBhvr>
+                                      <p:to>
+                                        <p:strVal val="visible"/>
+                                      </p:to>
+                                    </p:set>
+                                    <p:animEffect transition="in" filter="fade">
+                                      <p:cBhvr>
+                                        <p:cTn id="22" dur="500"/>
+                                        <p:tgtEl>
+                                          <p:spTgt spid="9"/>
+                                        </p:tgtEl>
+                                      </p:cBhvr>
+                                    </p:animEffect>
+                                  </p:childTnLst>
+                                </p:cTn>
+                              </p:par>
+                            </p:childTnLst>
+                          </p:cTn>
+                        </p:par>
+                      </p:childTnLst>
+                    </p:cTn>
+                  </p:par>
+                  <p:par>
+                    <p:cTn id="23" fill="hold">
+                      <p:stCondLst>
+                        <p:cond delay="indefinite"/>
+                      </p:stCondLst>
+                      <p:childTnLst>
+                        <p:par>
+                          <p:cTn id="24" fill="hold">
+                            <p:stCondLst>
+                              <p:cond delay="0"/>
+                            </p:stCondLst>
+                            <p:childTnLst>
+                              <p:par>
+                                <p:cTn id="25" presetID="10" presetClass="entr" presetSubtype="0" fill="hold" nodeType="clickEffect">
+                                  <p:stCondLst>
+                                    <p:cond delay="0"/>
+                                  </p:stCondLst>
+                                  <p:childTnLst>
+                                    <p:set>
+                                      <p:cBhvr>
+                                        <p:cTn id="26" dur="1" fill="hold">
+                                          <p:stCondLst>
+                                            <p:cond delay="0"/>
+                                          </p:stCondLst>
+                                        </p:cTn>
+                                        <p:tgtEl>
+                                          <p:spTgt spid="10"/>
+                                        </p:tgtEl>
+                                        <p:attrNameLst>
+                                          <p:attrName>style.visibility</p:attrName>
+                                        </p:attrNameLst>
+                                      </p:cBhvr>
+                                      <p:to>
+                                        <p:strVal val="visible"/>
+                                      </p:to>
+                                    </p:set>
+                                    <p:animEffect transition="in" filter="fade">
+                                      <p:cBhvr>
+                                        <p:cTn id="27" dur="500"/>
+                                        <p:tgtEl>
+                                          <p:spTgt spid="10"/>
+                                        </p:tgtEl>
+                                      </p:cBhvr>
+                                    </p:animEffect>
+                                  </p:childTnLst>
+                                </p:cTn>
+                              </p:par>
+                            </p:childTnLst>
+                          </p:cTn>
+                        </p:par>
+                      </p:childTnLst>
+                    </p:cTn>
+                  </p:par>
                 </p:childTnLst>
               </p:cTn>
               <p:prevCondLst>
@@ -7879,6 +8091,59 @@
                                               <p:pRg st="0" end="0"/>
                                             </p:txEl>
                                           </p:spTgt>
+                                        </p:tgtEl>
+                                      </p:cBhvr>
+                                    </p:animEffect>
+                                  </p:childTnLst>
+                                </p:cTn>
+                              </p:par>
+                            </p:childTnLst>
+                          </p:cTn>
+                        </p:par>
+                      </p:childTnLst>
+                    </p:cTn>
+                  </p:par>
+                  <p:par>
+                    <p:cTn id="13" fill="hold">
+                      <p:stCondLst>
+                        <p:cond delay="indefinite"/>
+                      </p:stCondLst>
+                      <p:childTnLst>
+                        <p:par>
+                          <p:cTn id="14" fill="hold">
+                            <p:stCondLst>
+                              <p:cond delay="0"/>
+                            </p:stCondLst>
+                            <p:childTnLst>
+                              <p:par>
+                                <p:cTn id="15" presetID="10" presetClass="entr" presetSubtype="0" fill="hold" nodeType="clickEffect">
+                                  <p:stCondLst>
+                                    <p:cond delay="0"/>
+                                  </p:stCondLst>
+                                  <p:childTnLst>
+                                    <p:set>
+                                      <p:cBhvr>
+                                        <p:cTn id="16" dur="1" fill="hold">
+                                          <p:stCondLst>
+                                            <p:cond delay="0"/>
+                                          </p:stCondLst>
+                                        </p:cTn>
+                                        <p:tgtEl>
+                                          <p:spTgt spid="10"/>
+                                        </p:tgtEl>
+                                        <p:attrNameLst>
+                                          <p:attrName>style.visibility</p:attrName>
+                                        </p:attrNameLst>
+                                      </p:cBhvr>
+                                      <p:to>
+                                        <p:strVal val="visible"/>
+                                      </p:to>
+                                    </p:set>
+                                    <p:animEffect transition="in" filter="fade">
+                                      <p:cBhvr>
+                                        <p:cTn id="17" dur="500"/>
+                                        <p:tgtEl>
+                                          <p:spTgt spid="10"/>
                                         </p:tgtEl>
                                       </p:cBhvr>
                                     </p:animEffect>
@@ -8193,6 +8458,112 @@
                                               <p:pRg st="0" end="0"/>
                                             </p:txEl>
                                           </p:spTgt>
+                                        </p:tgtEl>
+                                      </p:cBhvr>
+                                    </p:animEffect>
+                                  </p:childTnLst>
+                                </p:cTn>
+                              </p:par>
+                            </p:childTnLst>
+                          </p:cTn>
+                        </p:par>
+                      </p:childTnLst>
+                    </p:cTn>
+                  </p:par>
+                  <p:par>
+                    <p:cTn id="13" fill="hold">
+                      <p:stCondLst>
+                        <p:cond delay="indefinite"/>
+                      </p:stCondLst>
+                      <p:childTnLst>
+                        <p:par>
+                          <p:cTn id="14" fill="hold">
+                            <p:stCondLst>
+                              <p:cond delay="0"/>
+                            </p:stCondLst>
+                            <p:childTnLst>
+                              <p:par>
+                                <p:cTn id="15" presetID="10" presetClass="entr" presetSubtype="0" fill="hold" nodeType="clickEffect">
+                                  <p:stCondLst>
+                                    <p:cond delay="0"/>
+                                  </p:stCondLst>
+                                  <p:childTnLst>
+                                    <p:set>
+                                      <p:cBhvr>
+                                        <p:cTn id="16" dur="1" fill="hold">
+                                          <p:stCondLst>
+                                            <p:cond delay="0"/>
+                                          </p:stCondLst>
+                                        </p:cTn>
+                                        <p:tgtEl>
+                                          <p:spTgt spid="7"/>
+                                        </p:tgtEl>
+                                        <p:attrNameLst>
+                                          <p:attrName>style.visibility</p:attrName>
+                                        </p:attrNameLst>
+                                      </p:cBhvr>
+                                      <p:to>
+                                        <p:strVal val="visible"/>
+                                      </p:to>
+                                    </p:set>
+                                    <p:animEffect transition="in" filter="fade">
+                                      <p:cBhvr>
+                                        <p:cTn id="17" dur="500"/>
+                                        <p:tgtEl>
+                                          <p:spTgt spid="7"/>
+                                        </p:tgtEl>
+                                      </p:cBhvr>
+                                    </p:animEffect>
+                                  </p:childTnLst>
+                                </p:cTn>
+                              </p:par>
+                            </p:childTnLst>
+                          </p:cTn>
+                        </p:par>
+                      </p:childTnLst>
+                    </p:cTn>
+                  </p:par>
+                  <p:par>
+                    <p:cTn id="18" fill="hold">
+                      <p:stCondLst>
+                        <p:cond delay="indefinite"/>
+                      </p:stCondLst>
+                      <p:childTnLst>
+                        <p:par>
+                          <p:cTn id="19" fill="hold">
+                            <p:stCondLst>
+                              <p:cond delay="0"/>
+                            </p:stCondLst>
+                            <p:childTnLst>
+                              <p:par>
+                                <p:cTn id="20" presetID="10" presetClass="entr" presetSubtype="0" fill="hold" nodeType="clickEffect">
+                                  <p:stCondLst>
+                                    <p:cond delay="0"/>
+                                  </p:stCondLst>
+                                  <p:childTnLst>
+                                    <p:set>
+                                      <p:cBhvr>
+                                        <p:cTn id="21" dur="1" fill="hold">
+                                          <p:stCondLst>
+                                            <p:cond delay="0"/>
+                                          </p:stCondLst>
+                                        </p:cTn>
+                                        <p:tgtEl>
+                                          <p:spTgt spid="5"/>
+                                        </p:tgtEl>
+                                        <p:attrNameLst>
+                                          <p:attrName>style.visibility</p:attrName>
+                                        </p:attrNameLst>
+                                      </p:cBhvr>
+                                      <p:to>
+                                        <p:strVal val="visible"/>
+                                      </p:to>
+                                    </p:set>
+                                    <p:animEffect transition="in" filter="fade">
+                                      <p:cBhvr>
+                                        <p:cTn id="22" dur="500"/>
+                                        <p:tgtEl>
+                                          <p:spTgt spid="5"/>
                                         </p:tgtEl>
                                       </p:cBhvr>
                                     </p:animEffect>
